--- a/B긴어게인_codereviewagent_과제_최종4.pptx
+++ b/B긴어게인_codereviewagent_과제_최종4.pptx
@@ -14907,21 +14907,7 @@
                 <a:effectLst/>
                 <a:latin typeface="gg sans"/>
               </a:rPr>
-              <a:t>	</a:t>
-            </a:r>
-            <a:r>
-              <a:rPr lang="ko-KR" altLang="en-US" sz="1400" b="0" i="0" dirty="0">
-                <a:effectLst/>
-                <a:latin typeface="gg sans"/>
-              </a:rPr>
-              <a:t>초기 상태 </a:t>
-            </a:r>
-            <a:r>
-              <a:rPr lang="en-US" altLang="ko-KR" sz="1400" b="0" i="0" dirty="0">
-                <a:effectLst/>
-                <a:latin typeface="gg sans"/>
-              </a:rPr>
-              <a:t>-&gt; full read -&gt; full write -&gt; erase -&gt; full read </a:t>
+              <a:t>	Init -&gt; full read -&gt; full write -&gt; flush -&gt; erase  0 99 -&gt; full read</a:t>
             </a:r>
           </a:p>
           <a:p>
@@ -14984,20 +14970,6 @@
               <a:t>	</a:t>
             </a:r>
             <a:r>
-              <a:rPr lang="ko-KR" altLang="en-US" sz="1400" b="0" i="0" dirty="0">
-                <a:effectLst/>
-                <a:latin typeface="gg sans"/>
-              </a:rPr>
-              <a:t>초기 상태 </a:t>
-            </a:r>
-            <a:r>
-              <a:rPr lang="en-US" altLang="ko-KR" sz="1400" b="0" i="0" dirty="0">
-                <a:effectLst/>
-                <a:latin typeface="gg sans"/>
-              </a:rPr>
-              <a:t>-&gt; </a:t>
-            </a:r>
-            <a:r>
               <a:rPr lang="en-US" altLang="ko-KR" sz="1400" b="0" i="0" dirty="0" err="1">
                 <a:effectLst/>
                 <a:latin typeface="gg sans"/>
@@ -15009,7 +14981,7 @@
                 <a:effectLst/>
                 <a:latin typeface="gg sans"/>
               </a:rPr>
-              <a:t> 1 -&gt; </a:t>
+              <a:t> 1 -&gt; full  read -&gt; </a:t>
             </a:r>
             <a:r>
               <a:rPr lang="en-US" altLang="ko-KR" sz="1400" b="0" i="0" dirty="0" err="1">
@@ -15023,7 +14995,7 @@
                 <a:effectLst/>
                 <a:latin typeface="gg sans"/>
               </a:rPr>
-              <a:t> 4 </a:t>
+              <a:t> 4 -&gt; full read </a:t>
             </a:r>
           </a:p>
           <a:p>
@@ -15083,21 +15055,7 @@
                 <a:effectLst/>
                 <a:latin typeface="gg sans"/>
               </a:rPr>
-              <a:t>	</a:t>
-            </a:r>
-            <a:r>
-              <a:rPr lang="ko-KR" altLang="en-US" sz="1400" b="0" i="0" dirty="0">
-                <a:effectLst/>
-                <a:latin typeface="gg sans"/>
-              </a:rPr>
-              <a:t>초기 상태 </a:t>
-            </a:r>
-            <a:r>
-              <a:rPr lang="en-US" altLang="ko-KR" sz="1400" b="0" i="0" dirty="0">
-                <a:effectLst/>
-                <a:latin typeface="gg sans"/>
-              </a:rPr>
-              <a:t>-&gt; runner </a:t>
+              <a:t>	INVALID COMMAND case </a:t>
             </a:r>
             <a:r>
               <a:rPr lang="ko-KR" altLang="en-US" sz="1400" b="0" i="0" dirty="0">
@@ -15106,10 +15064,53 @@
               </a:rPr>
               <a:t> </a:t>
             </a:r>
-            <a:endParaRPr lang="en-US" altLang="ko-KR" sz="1400" b="0" i="0" dirty="0">
-              <a:effectLst/>
-              <a:latin typeface="gg sans"/>
-            </a:endParaRPr>
+            <a:r>
+              <a:rPr lang="en-US" altLang="ko-KR" sz="1400" b="0" i="0" dirty="0">
+                <a:effectLst/>
+                <a:latin typeface="gg sans"/>
+              </a:rPr>
+              <a:t>(invalid command, </a:t>
+            </a:r>
+            <a:r>
+              <a:rPr lang="en-US" altLang="ko-KR" sz="1400" dirty="0">
+                <a:latin typeface="gg sans"/>
+              </a:rPr>
+              <a:t>invalid</a:t>
+            </a:r>
+            <a:r>
+              <a:rPr lang="ko-KR" altLang="en-US" sz="1400" b="0" i="0" dirty="0">
+                <a:effectLst/>
+                <a:latin typeface="gg sans"/>
+              </a:rPr>
+              <a:t> </a:t>
+            </a:r>
+            <a:r>
+              <a:rPr lang="en-US" altLang="ko-KR" sz="1400" b="0" i="0" dirty="0">
+                <a:effectLst/>
+                <a:latin typeface="gg sans"/>
+              </a:rPr>
+              <a:t>LBA, </a:t>
+            </a:r>
+            <a:r>
+              <a:rPr lang="en-US" altLang="ko-KR" sz="1400" dirty="0">
+                <a:latin typeface="gg sans"/>
+              </a:rPr>
+              <a:t>invalid</a:t>
+            </a:r>
+            <a:r>
+              <a:rPr lang="ko-KR" altLang="en-US" sz="1400" b="0" i="0" dirty="0">
+                <a:effectLst/>
+                <a:latin typeface="gg sans"/>
+              </a:rPr>
+              <a:t> </a:t>
+            </a:r>
+            <a:r>
+              <a:rPr lang="en-US" altLang="ko-KR" sz="1400" b="0" i="0" dirty="0">
+                <a:effectLst/>
+                <a:latin typeface="gg sans"/>
+              </a:rPr>
+              <a:t>data) </a:t>
+            </a:r>
           </a:p>
           <a:p>
             <a:pPr marL="177800" indent="0">
@@ -15168,63 +15169,7 @@
                 <a:effectLst/>
                 <a:latin typeface="gg sans"/>
               </a:rPr>
-              <a:t>	INVALID COMMAND case </a:t>
-            </a:r>
-            <a:r>
-              <a:rPr lang="ko-KR" altLang="en-US" sz="1400" b="0" i="0" dirty="0">
-                <a:effectLst/>
-                <a:latin typeface="gg sans"/>
-              </a:rPr>
-              <a:t> </a:t>
-            </a:r>
-            <a:r>
-              <a:rPr lang="en-US" altLang="ko-KR" sz="1400" b="0" i="0" dirty="0">
-                <a:effectLst/>
-                <a:latin typeface="gg sans"/>
-              </a:rPr>
-              <a:t>(</a:t>
-            </a:r>
-            <a:r>
-              <a:rPr lang="ko-KR" altLang="en-US" sz="1400" b="0" i="0" dirty="0">
-                <a:effectLst/>
-                <a:latin typeface="gg sans"/>
-              </a:rPr>
-              <a:t>잘못된 명령어</a:t>
-            </a:r>
-            <a:r>
-              <a:rPr lang="en-US" altLang="ko-KR" sz="1400" b="0" i="0" dirty="0">
-                <a:effectLst/>
-                <a:latin typeface="gg sans"/>
-              </a:rPr>
-              <a:t>, </a:t>
-            </a:r>
-            <a:r>
-              <a:rPr lang="ko-KR" altLang="en-US" sz="1400" b="0" i="0" dirty="0">
-                <a:effectLst/>
-                <a:latin typeface="gg sans"/>
-              </a:rPr>
-              <a:t>잘못된 </a:t>
-            </a:r>
-            <a:r>
-              <a:rPr lang="en-US" altLang="ko-KR" sz="1400" b="0" i="0" dirty="0">
-                <a:effectLst/>
-                <a:latin typeface="gg sans"/>
-              </a:rPr>
-              <a:t>LBA, </a:t>
-            </a:r>
-            <a:r>
-              <a:rPr lang="ko-KR" altLang="en-US" sz="1400" b="0" i="0" dirty="0">
-                <a:effectLst/>
-                <a:latin typeface="gg sans"/>
-              </a:rPr>
-              <a:t>잘못된 </a:t>
-            </a:r>
-            <a:r>
-              <a:rPr lang="en-US" altLang="ko-KR" sz="1400" b="0" i="0" dirty="0">
-                <a:effectLst/>
-                <a:latin typeface="gg sans"/>
-              </a:rPr>
-              <a:t>data) </a:t>
+              <a:t>	 Help, flush, exit, logger</a:t>
             </a:r>
           </a:p>
           <a:p>
@@ -15284,7 +15229,7 @@
                 <a:effectLst/>
                 <a:latin typeface="gg sans"/>
               </a:rPr>
-              <a:t>	Help, flush, exit </a:t>
+              <a:t>	runner </a:t>
             </a:r>
           </a:p>
           <a:p>
@@ -15318,7 +15263,7 @@
                 <a:effectLst/>
                 <a:latin typeface="gg sans"/>
               </a:rPr>
-              <a:t>시연 시나리오 </a:t>
+              <a:t>시나리오 </a:t>
             </a:r>
             <a:r>
               <a:rPr lang="en-US" altLang="ko-KR" sz="1400" b="0" i="0" dirty="0">
@@ -15347,11 +15292,56 @@
               <a:t>	Command Optimize </a:t>
             </a:r>
             <a:r>
+              <a:rPr lang="en-US" altLang="ko-KR" sz="1400" dirty="0">
+                <a:latin typeface="gg sans"/>
+              </a:rPr>
+              <a:t>case</a:t>
+            </a:r>
+            <a:r>
               <a:rPr lang="ko-KR" altLang="en-US" sz="1400" b="0" i="0" dirty="0">
                 <a:effectLst/>
                 <a:latin typeface="gg sans"/>
               </a:rPr>
-              <a:t>케이스 </a:t>
+              <a:t> </a:t>
+            </a:r>
+            <a:r>
+              <a:rPr lang="en-US" altLang="ko-KR" sz="1400" b="0" i="0" dirty="0">
+                <a:effectLst/>
+                <a:latin typeface="gg sans"/>
+              </a:rPr>
+              <a:t>(Ignore command, Merge Erase, Merge Write to Erase(spec</a:t>
+            </a:r>
+            <a:r>
+              <a:rPr lang="ko-KR" altLang="en-US" sz="1400" b="0" i="0" dirty="0">
+                <a:effectLst/>
+                <a:latin typeface="gg sans"/>
+              </a:rPr>
+              <a:t>에 정의되지 않은 최적화</a:t>
+            </a:r>
+            <a:r>
+              <a:rPr lang="en-US" altLang="ko-KR" sz="1400" b="0" i="0" dirty="0">
+                <a:effectLst/>
+                <a:latin typeface="gg sans"/>
+              </a:rPr>
+              <a:t>), </a:t>
+            </a:r>
+            <a:r>
+              <a:rPr lang="en-US" altLang="ko-KR" sz="1400" dirty="0">
+                <a:latin typeface="gg sans"/>
+              </a:rPr>
+              <a:t>fast</a:t>
+            </a:r>
+            <a:r>
+              <a:rPr lang="ko-KR" altLang="en-US" sz="1400" dirty="0">
+                <a:latin typeface="gg sans"/>
+              </a:rPr>
+              <a:t> </a:t>
+            </a:r>
+            <a:r>
+              <a:rPr lang="en-US" altLang="ko-KR" sz="1400" dirty="0">
+                <a:latin typeface="gg sans"/>
+              </a:rPr>
+              <a:t>read)</a:t>
             </a:r>
             <a:endParaRPr lang="ko-KR" altLang="en-US" sz="1600" dirty="0"/>
           </a:p>
@@ -19910,8 +19900,8 @@
         </p:nvSpPr>
         <p:spPr>
           <a:xfrm>
-            <a:off x="6710422" y="4952854"/>
-            <a:ext cx="1171924" cy="461665"/>
+            <a:off x="6380109" y="4952854"/>
+            <a:ext cx="1832554" cy="646331"/>
           </a:xfrm>
           <a:prstGeom prst="rect">
             <a:avLst/>
@@ -20026,6 +20016,57 @@
                 <a:ea typeface="KoPub돋움체 Light" panose="02020603020101020101" pitchFamily="18" charset="-127"/>
               </a:rPr>
               <a:t>구현</a:t>
+            </a:r>
+            <a:endParaRPr lang="en-US" altLang="ko-KR" sz="1200" b="1" dirty="0">
+              <a:ln>
+                <a:solidFill>
+                  <a:schemeClr val="bg1">
+                    <a:alpha val="35000"/>
+                  </a:schemeClr>
+                </a:solidFill>
+              </a:ln>
+              <a:solidFill>
+                <a:schemeClr val="bg1"/>
+              </a:solidFill>
+              <a:latin typeface="KoPub돋움체 Light" panose="02020603020101020101" pitchFamily="18" charset="-127"/>
+              <a:ea typeface="KoPub돋움체 Light" panose="02020603020101020101" pitchFamily="18" charset="-127"/>
+            </a:endParaRPr>
+          </a:p>
+          <a:p>
+            <a:pPr algn="ctr"/>
+            <a:r>
+              <a:rPr lang="ko-KR" altLang="en-US" sz="1200" b="1" dirty="0" err="1">
+                <a:ln>
+                  <a:solidFill>
+                    <a:schemeClr val="bg1">
+                      <a:alpha val="35000"/>
+                    </a:schemeClr>
+                  </a:solidFill>
+                </a:ln>
+                <a:solidFill>
+                  <a:schemeClr val="bg1"/>
+                </a:solidFill>
+                <a:latin typeface="KoPub돋움체 Light" panose="02020603020101020101" pitchFamily="18" charset="-127"/>
+                <a:ea typeface="KoPub돋움체 Light" panose="02020603020101020101" pitchFamily="18" charset="-127"/>
+              </a:rPr>
+              <a:t>기능시연</a:t>
+            </a:r>
+            <a:r>
+              <a:rPr lang="ko-KR" altLang="en-US" sz="1200" b="1" dirty="0">
+                <a:ln>
+                  <a:solidFill>
+                    <a:schemeClr val="bg1">
+                      <a:alpha val="35000"/>
+                    </a:schemeClr>
+                  </a:solidFill>
+                </a:ln>
+                <a:solidFill>
+                  <a:schemeClr val="bg1"/>
+                </a:solidFill>
+                <a:latin typeface="KoPub돋움체 Light" panose="02020603020101020101" pitchFamily="18" charset="-127"/>
+                <a:ea typeface="KoPub돋움체 Light" panose="02020603020101020101" pitchFamily="18" charset="-127"/>
+              </a:rPr>
+              <a:t> 시나리오 작성</a:t>
             </a:r>
           </a:p>
         </p:txBody>
